--- a/OS_Project_GS_Shell/[CSCI3431]project#9.pptx
+++ b/OS_Project_GS_Shell/[CSCI3431]project#9.pptx
@@ -5,10 +5,10 @@
     <p:sldMasterId id="2147483648" r:id="rId1"/>
   </p:sldMasterIdLst>
   <p:notesMasterIdLst>
-    <p:notesMasterId r:id="rId14"/>
+    <p:notesMasterId r:id="rId16"/>
   </p:notesMasterIdLst>
   <p:handoutMasterIdLst>
-    <p:handoutMasterId r:id="rId15"/>
+    <p:handoutMasterId r:id="rId17"/>
   </p:handoutMasterIdLst>
   <p:sldIdLst>
     <p:sldId id="259" r:id="rId2"/>
@@ -17,12 +17,14 @@
     <p:sldId id="306" r:id="rId5"/>
     <p:sldId id="305" r:id="rId6"/>
     <p:sldId id="312" r:id="rId7"/>
-    <p:sldId id="310" r:id="rId8"/>
-    <p:sldId id="311" r:id="rId9"/>
-    <p:sldId id="308" r:id="rId10"/>
-    <p:sldId id="309" r:id="rId11"/>
-    <p:sldId id="277" r:id="rId12"/>
-    <p:sldId id="292" r:id="rId13"/>
+    <p:sldId id="314" r:id="rId8"/>
+    <p:sldId id="310" r:id="rId9"/>
+    <p:sldId id="311" r:id="rId10"/>
+    <p:sldId id="308" r:id="rId11"/>
+    <p:sldId id="309" r:id="rId12"/>
+    <p:sldId id="313" r:id="rId13"/>
+    <p:sldId id="277" r:id="rId14"/>
+    <p:sldId id="292" r:id="rId15"/>
   </p:sldIdLst>
   <p:sldSz cx="9144000" cy="6858000" type="screen4x3"/>
   <p:notesSz cx="6858000" cy="9144000"/>
@@ -807,87 +809,10 @@
               <a:defRPr kumimoji="1" lang="ja-JP"/>
             </a:pPr>
             <a:r>
-              <a:rPr kumimoji="1" lang="en-US" altLang="ja-JP" dirty="0" smtClean="0"/>
-              <a:t>Through this project, we learned</a:t>
-            </a:r>
-            <a:r>
-              <a:rPr kumimoji="1" lang="en-US" altLang="ja-JP" baseline="0" dirty="0" smtClean="0"/>
-              <a:t> C language and UNIX commands. We took basic C language course last year, and we used C in this course a lot, so we could gain C language skill, UNIX commands, and </a:t>
-            </a:r>
-            <a:r>
-              <a:rPr kumimoji="1" lang="en-US" altLang="ja-JP" baseline="0" dirty="0" err="1" smtClean="0"/>
-              <a:t>github</a:t>
-            </a:r>
-            <a:r>
-              <a:rPr kumimoji="1" lang="en-US" altLang="ja-JP" baseline="0" dirty="0" smtClean="0"/>
-              <a:t> commands also.</a:t>
-            </a:r>
-          </a:p>
-          <a:p>
-            <a:pPr marL="0" marR="0" indent="0" algn="l" defTabSz="914400" rtl="0" eaLnBrk="1" fontAlgn="auto" latinLnBrk="0" hangingPunct="1">
-              <a:lnSpc>
-                <a:spcPct val="100000"/>
-              </a:lnSpc>
-              <a:spcBef>
-                <a:spcPts val="0"/>
-              </a:spcBef>
-              <a:spcAft>
-                <a:spcPts val="0"/>
-              </a:spcAft>
-              <a:buClrTx/>
-              <a:buSzTx/>
-              <a:buFontTx/>
-              <a:buNone/>
-              <a:tabLst/>
-              <a:defRPr kumimoji="1" lang="ja-JP"/>
-            </a:pPr>
-            <a:r>
-              <a:rPr kumimoji="1" lang="en-US" altLang="ja-JP" baseline="0" dirty="0" smtClean="0"/>
-              <a:t>We used mainly email to exchange ideas, and sometimes had meeting, and we found that meeting is better communication than email because we can see the problem, and we could give advice directly (e.g. fixing bug).</a:t>
-            </a:r>
-          </a:p>
-          <a:p>
-            <a:pPr marL="0" marR="0" indent="0" algn="l" defTabSz="914400" rtl="0" eaLnBrk="1" fontAlgn="auto" latinLnBrk="0" hangingPunct="1">
-              <a:lnSpc>
-                <a:spcPct val="100000"/>
-              </a:lnSpc>
-              <a:spcBef>
-                <a:spcPts val="0"/>
-              </a:spcBef>
-              <a:spcAft>
-                <a:spcPts val="0"/>
-              </a:spcAft>
-              <a:buClrTx/>
-              <a:buSzTx/>
-              <a:buFontTx/>
-              <a:buNone/>
-              <a:tabLst/>
-              <a:defRPr kumimoji="1" lang="ja-JP"/>
-            </a:pPr>
-            <a:r>
-              <a:rPr kumimoji="1" lang="en-US" altLang="ja-JP" baseline="0" dirty="0" smtClean="0"/>
-              <a:t>When we finished coding, we found it difficult to combine three functionalities, so we needed to plan well.</a:t>
-            </a:r>
-          </a:p>
-          <a:p>
-            <a:pPr marL="0" marR="0" indent="0" algn="l" defTabSz="914400" rtl="0" eaLnBrk="1" fontAlgn="auto" latinLnBrk="0" hangingPunct="1">
-              <a:lnSpc>
-                <a:spcPct val="100000"/>
-              </a:lnSpc>
-              <a:spcBef>
-                <a:spcPts val="0"/>
-              </a:spcBef>
-              <a:spcAft>
-                <a:spcPts val="0"/>
-              </a:spcAft>
-              <a:buClrTx/>
-              <a:buSzTx/>
-              <a:buFontTx/>
-              <a:buNone/>
-              <a:tabLst/>
-              <a:defRPr kumimoji="1" lang="ja-JP"/>
-            </a:pPr>
-            <a:endParaRPr kumimoji="1" lang="en-US" altLang="ja-JP" baseline="0" dirty="0" smtClean="0"/>
+              <a:rPr kumimoji="1" lang="en-US" altLang="ja-JP" b="0" dirty="0" smtClean="0"/>
+              <a:t>Now we will show you our GS Shell.</a:t>
+            </a:r>
+            <a:endParaRPr kumimoji="1" lang="ja-JP" dirty="0" smtClean="0"/>
           </a:p>
         </p:txBody>
       </p:sp>
@@ -942,128 +867,156 @@
       </p:grpSpPr>
       <p:sp>
         <p:nvSpPr>
-          <p:cNvPr id="41986" name="Rectangle 23"/>
-          <p:cNvSpPr>
-            <a:spLocks noGrp="1" noChangeArrowheads="1"/>
-          </p:cNvSpPr>
-          <p:nvPr>
-            <p:ph type="hdr" sz="quarter"/>
-          </p:nvPr>
-        </p:nvSpPr>
-        <p:spPr>
-          <a:noFill/>
-        </p:spPr>
+          <p:cNvPr id="2" name="Slide Image Placeholder 1"/>
+          <p:cNvSpPr>
+            <a:spLocks noGrp="1" noRot="1" noChangeAspect="1"/>
+          </p:cNvSpPr>
+          <p:nvPr>
+            <p:ph type="sldImg"/>
+          </p:nvPr>
+        </p:nvSpPr>
+        <p:spPr/>
+      </p:sp>
+      <p:sp>
+        <p:nvSpPr>
+          <p:cNvPr id="3" name="Notes Placeholder 2"/>
+          <p:cNvSpPr>
+            <a:spLocks noGrp="1"/>
+          </p:cNvSpPr>
+          <p:nvPr>
+            <p:ph type="body" idx="1"/>
+          </p:nvPr>
+        </p:nvSpPr>
+        <p:spPr/>
+        <p:txBody>
+          <a:bodyPr>
+            <a:normAutofit lnSpcReduction="10000"/>
+          </a:bodyPr>
+          <a:lstStyle/>
+          <a:p>
+            <a:pPr marL="0" marR="0" indent="0" algn="l" defTabSz="914400" rtl="0" eaLnBrk="1" fontAlgn="auto" latinLnBrk="0" hangingPunct="1">
+              <a:lnSpc>
+                <a:spcPct val="100000"/>
+              </a:lnSpc>
+              <a:spcBef>
+                <a:spcPts val="0"/>
+              </a:spcBef>
+              <a:spcAft>
+                <a:spcPts val="0"/>
+              </a:spcAft>
+              <a:buClrTx/>
+              <a:buSzTx/>
+              <a:buFontTx/>
+              <a:buNone/>
+              <a:tabLst/>
+              <a:defRPr kumimoji="1" lang="ja-JP"/>
+            </a:pPr>
+            <a:r>
+              <a:rPr kumimoji="1" lang="en-US" altLang="ja-JP" dirty="0" smtClean="0"/>
+              <a:t>Through this project, we learned</a:t>
+            </a:r>
+            <a:r>
+              <a:rPr kumimoji="1" lang="en-US" altLang="ja-JP" baseline="0" dirty="0" smtClean="0"/>
+              <a:t> C language and UNIX commands. We took basic C language course last year, and we used C in this course a lot, so we could gain C language skill, UNIX commands, and </a:t>
+            </a:r>
+            <a:r>
+              <a:rPr kumimoji="1" lang="en-US" altLang="ja-JP" baseline="0" dirty="0" err="1" smtClean="0"/>
+              <a:t>github</a:t>
+            </a:r>
+            <a:r>
+              <a:rPr kumimoji="1" lang="en-US" altLang="ja-JP" baseline="0" dirty="0" smtClean="0"/>
+              <a:t> commands also.</a:t>
+            </a:r>
+          </a:p>
+          <a:p>
+            <a:pPr marL="0" marR="0" indent="0" algn="l" defTabSz="914400" rtl="0" eaLnBrk="1" fontAlgn="auto" latinLnBrk="0" hangingPunct="1">
+              <a:lnSpc>
+                <a:spcPct val="100000"/>
+              </a:lnSpc>
+              <a:spcBef>
+                <a:spcPts val="0"/>
+              </a:spcBef>
+              <a:spcAft>
+                <a:spcPts val="0"/>
+              </a:spcAft>
+              <a:buClrTx/>
+              <a:buSzTx/>
+              <a:buFontTx/>
+              <a:buNone/>
+              <a:tabLst/>
+              <a:defRPr kumimoji="1" lang="ja-JP"/>
+            </a:pPr>
+            <a:r>
+              <a:rPr kumimoji="1" lang="en-US" altLang="ja-JP" baseline="0" dirty="0" smtClean="0"/>
+              <a:t>We used mainly email to exchange ideas, and sometimes had meeting, and we found that meeting is better communication than email because we can see the problem, and we could give advice directly (e.g. fixing bug).</a:t>
+            </a:r>
+          </a:p>
+          <a:p>
+            <a:pPr marL="0" marR="0" indent="0" algn="l" defTabSz="914400" rtl="0" eaLnBrk="1" fontAlgn="auto" latinLnBrk="0" hangingPunct="1">
+              <a:lnSpc>
+                <a:spcPct val="100000"/>
+              </a:lnSpc>
+              <a:spcBef>
+                <a:spcPts val="0"/>
+              </a:spcBef>
+              <a:spcAft>
+                <a:spcPts val="0"/>
+              </a:spcAft>
+              <a:buClrTx/>
+              <a:buSzTx/>
+              <a:buFontTx/>
+              <a:buNone/>
+              <a:tabLst/>
+              <a:defRPr kumimoji="1" lang="ja-JP"/>
+            </a:pPr>
+            <a:r>
+              <a:rPr kumimoji="1" lang="en-US" altLang="ja-JP" baseline="0" dirty="0" smtClean="0"/>
+              <a:t>When we finished coding, we found it difficult to combine three functionalities, so we needed to plan well.</a:t>
+            </a:r>
+          </a:p>
+          <a:p>
+            <a:pPr marL="0" marR="0" indent="0" algn="l" defTabSz="914400" rtl="0" eaLnBrk="1" fontAlgn="auto" latinLnBrk="0" hangingPunct="1">
+              <a:lnSpc>
+                <a:spcPct val="100000"/>
+              </a:lnSpc>
+              <a:spcBef>
+                <a:spcPts val="0"/>
+              </a:spcBef>
+              <a:spcAft>
+                <a:spcPts val="0"/>
+              </a:spcAft>
+              <a:buClrTx/>
+              <a:buSzTx/>
+              <a:buFontTx/>
+              <a:buNone/>
+              <a:tabLst/>
+              <a:defRPr kumimoji="1" lang="ja-JP"/>
+            </a:pPr>
+            <a:endParaRPr kumimoji="1" lang="en-US" altLang="ja-JP" baseline="0" dirty="0" smtClean="0"/>
+          </a:p>
+        </p:txBody>
+      </p:sp>
+      <p:sp>
+        <p:nvSpPr>
+          <p:cNvPr id="4" name="Slide Number Placeholder 3"/>
+          <p:cNvSpPr>
+            <a:spLocks noGrp="1"/>
+          </p:cNvSpPr>
+          <p:nvPr>
+            <p:ph type="sldNum" sz="quarter" idx="10"/>
+          </p:nvPr>
+        </p:nvSpPr>
+        <p:spPr/>
         <p:txBody>
           <a:bodyPr/>
           <a:lstStyle/>
           <a:p>
-            <a:r>
-              <a:rPr kumimoji="1" lang="ja-JP" dirty="0" smtClean="0"/>
-              <a:t>Microsoft </a:t>
-            </a:r>
-            <a:r>
-              <a:rPr kumimoji="1" lang="ja-JP" b="1" dirty="0" smtClean="0"/>
-              <a:t>Engineering Excellence</a:t>
-            </a:r>
-            <a:endParaRPr kumimoji="1" lang="ja-JP" dirty="0" smtClean="0"/>
-          </a:p>
-        </p:txBody>
-      </p:sp>
-      <p:sp>
-        <p:nvSpPr>
-          <p:cNvPr id="41987" name="Rectangle 25"/>
-          <p:cNvSpPr>
-            <a:spLocks noGrp="1" noChangeArrowheads="1"/>
-          </p:cNvSpPr>
-          <p:nvPr>
-            <p:ph type="ftr" sz="quarter" idx="4"/>
-          </p:nvPr>
-        </p:nvSpPr>
-        <p:spPr>
-          <a:noFill/>
-        </p:spPr>
-        <p:txBody>
-          <a:bodyPr/>
-          <a:lstStyle/>
-          <a:p>
-            <a:r>
-              <a:rPr kumimoji="1" lang="ja-JP" dirty="0" smtClean="0"/>
-              <a:t>Microsoft 社外秘</a:t>
-            </a:r>
-          </a:p>
-        </p:txBody>
-      </p:sp>
-      <p:sp>
-        <p:nvSpPr>
-          <p:cNvPr id="41988" name="Rectangle 26"/>
-          <p:cNvSpPr>
-            <a:spLocks noGrp="1" noChangeArrowheads="1"/>
-          </p:cNvSpPr>
-          <p:nvPr>
-            <p:ph type="sldNum" sz="quarter" idx="5"/>
-          </p:nvPr>
-        </p:nvSpPr>
-        <p:spPr>
-          <a:noFill/>
-        </p:spPr>
-        <p:txBody>
-          <a:bodyPr/>
-          <a:lstStyle/>
-          <a:p>
-            <a:fld id="{B2B44A5F-6CE4-493C-A0D7-6834FF76660C}" type="slidenum">
+            <a:fld id="{EC6EAC7D-5A89-47C2-8ABA-56C9C2DEF7A4}" type="slidenum">
               <a:rPr kumimoji="1" lang="en-US" altLang="ja-JP" smtClean="0"/>
               <a:pPr/>
               <a:t>11</a:t>
             </a:fld>
-            <a:endParaRPr kumimoji="1" lang="ja-JP" dirty="0" smtClean="0"/>
-          </a:p>
-        </p:txBody>
-      </p:sp>
-      <p:sp>
-        <p:nvSpPr>
-          <p:cNvPr id="41989" name="Rectangle 2"/>
-          <p:cNvSpPr>
-            <a:spLocks noGrp="1" noRot="1" noChangeAspect="1" noChangeArrowheads="1" noTextEdit="1"/>
-          </p:cNvSpPr>
-          <p:nvPr>
-            <p:ph type="sldImg"/>
-          </p:nvPr>
-        </p:nvSpPr>
-        <p:spPr>
-          <a:xfrm>
-            <a:off x="1143000" y="450850"/>
-            <a:ext cx="4572000" cy="3429000"/>
-          </a:xfrm>
-          <a:ln/>
-        </p:spPr>
-      </p:sp>
-      <p:sp>
-        <p:nvSpPr>
-          <p:cNvPr id="41990" name="Rectangle 3"/>
-          <p:cNvSpPr>
-            <a:spLocks noGrp="1" noChangeArrowheads="1"/>
-          </p:cNvSpPr>
-          <p:nvPr>
-            <p:ph type="body" idx="1"/>
-          </p:nvPr>
-        </p:nvSpPr>
-        <p:spPr>
-          <a:xfrm>
-            <a:off x="307492" y="4130104"/>
-            <a:ext cx="6261652" cy="4554823"/>
-          </a:xfrm>
-          <a:noFill/>
-          <a:ln/>
-        </p:spPr>
-        <p:txBody>
-          <a:bodyPr/>
-          <a:lstStyle/>
-          <a:p>
-            <a:pPr>
-              <a:buFontTx/>
-              <a:buNone/>
-            </a:pPr>
-            <a:endParaRPr kumimoji="1" lang="ja-JP" dirty="0" smtClean="0"/>
+            <a:endParaRPr kumimoji="1" lang="ja-JP"/>
           </a:p>
         </p:txBody>
       </p:sp>
@@ -1116,6 +1069,261 @@
         </p:nvSpPr>
         <p:spPr/>
         <p:txBody>
+          <a:bodyPr>
+            <a:normAutofit lnSpcReduction="10000"/>
+          </a:bodyPr>
+          <a:lstStyle/>
+          <a:p>
+            <a:pPr marL="0" marR="0" indent="0" algn="l" defTabSz="914400" rtl="0" eaLnBrk="1" fontAlgn="auto" latinLnBrk="0" hangingPunct="1">
+              <a:lnSpc>
+                <a:spcPct val="100000"/>
+              </a:lnSpc>
+              <a:spcBef>
+                <a:spcPts val="0"/>
+              </a:spcBef>
+              <a:spcAft>
+                <a:spcPts val="0"/>
+              </a:spcAft>
+              <a:buClrTx/>
+              <a:buSzTx/>
+              <a:buFontTx/>
+              <a:buNone/>
+              <a:tabLst/>
+              <a:defRPr kumimoji="1" lang="ja-JP"/>
+            </a:pPr>
+            <a:r>
+              <a:rPr kumimoji="1" lang="en-US" altLang="ja-JP" b="0" dirty="0" smtClean="0"/>
+              <a:t>Now we will show you our GS Shell.</a:t>
+            </a:r>
+            <a:endParaRPr kumimoji="1" lang="ja-JP" dirty="0" smtClean="0"/>
+          </a:p>
+        </p:txBody>
+      </p:sp>
+      <p:sp>
+        <p:nvSpPr>
+          <p:cNvPr id="4" name="Slide Number Placeholder 3"/>
+          <p:cNvSpPr>
+            <a:spLocks noGrp="1"/>
+          </p:cNvSpPr>
+          <p:nvPr>
+            <p:ph type="sldNum" sz="quarter" idx="10"/>
+          </p:nvPr>
+        </p:nvSpPr>
+        <p:spPr/>
+        <p:txBody>
+          <a:bodyPr/>
+          <a:lstStyle/>
+          <a:p>
+            <a:fld id="{EC6EAC7D-5A89-47C2-8ABA-56C9C2DEF7A4}" type="slidenum">
+              <a:rPr kumimoji="1" lang="en-US" altLang="ja-JP" smtClean="0"/>
+              <a:pPr/>
+              <a:t>12</a:t>
+            </a:fld>
+            <a:endParaRPr kumimoji="1" lang="ja-JP"/>
+          </a:p>
+        </p:txBody>
+      </p:sp>
+    </p:spTree>
+  </p:cSld>
+  <p:clrMapOvr>
+    <a:masterClrMapping/>
+  </p:clrMapOvr>
+</p:notes>
+</file>
+
+<file path=ppt/notesSlides/notesSlide13.xml><?xml version="1.0" encoding="utf-8"?>
+<p:notes xmlns:a="http://schemas.openxmlformats.org/drawingml/2006/main" xmlns:r="http://schemas.openxmlformats.org/officeDocument/2006/relationships" xmlns:p="http://schemas.openxmlformats.org/presentationml/2006/main">
+  <p:cSld>
+    <p:spTree>
+      <p:nvGrpSpPr>
+        <p:cNvPr id="1" name=""/>
+        <p:cNvGrpSpPr/>
+        <p:nvPr/>
+      </p:nvGrpSpPr>
+      <p:grpSpPr>
+        <a:xfrm>
+          <a:off x="0" y="0"/>
+          <a:ext cx="0" cy="0"/>
+          <a:chOff x="0" y="0"/>
+          <a:chExt cx="0" cy="0"/>
+        </a:xfrm>
+      </p:grpSpPr>
+      <p:sp>
+        <p:nvSpPr>
+          <p:cNvPr id="41986" name="Rectangle 23"/>
+          <p:cNvSpPr>
+            <a:spLocks noGrp="1" noChangeArrowheads="1"/>
+          </p:cNvSpPr>
+          <p:nvPr>
+            <p:ph type="hdr" sz="quarter"/>
+          </p:nvPr>
+        </p:nvSpPr>
+        <p:spPr>
+          <a:noFill/>
+        </p:spPr>
+        <p:txBody>
+          <a:bodyPr/>
+          <a:lstStyle/>
+          <a:p>
+            <a:r>
+              <a:rPr kumimoji="1" lang="ja-JP" dirty="0" smtClean="0"/>
+              <a:t>Microsoft </a:t>
+            </a:r>
+            <a:r>
+              <a:rPr kumimoji="1" lang="ja-JP" b="1" dirty="0" smtClean="0"/>
+              <a:t>Engineering Excellence</a:t>
+            </a:r>
+            <a:endParaRPr kumimoji="1" lang="ja-JP" dirty="0" smtClean="0"/>
+          </a:p>
+        </p:txBody>
+      </p:sp>
+      <p:sp>
+        <p:nvSpPr>
+          <p:cNvPr id="41987" name="Rectangle 25"/>
+          <p:cNvSpPr>
+            <a:spLocks noGrp="1" noChangeArrowheads="1"/>
+          </p:cNvSpPr>
+          <p:nvPr>
+            <p:ph type="ftr" sz="quarter" idx="4"/>
+          </p:nvPr>
+        </p:nvSpPr>
+        <p:spPr>
+          <a:noFill/>
+        </p:spPr>
+        <p:txBody>
+          <a:bodyPr/>
+          <a:lstStyle/>
+          <a:p>
+            <a:r>
+              <a:rPr kumimoji="1" lang="ja-JP" dirty="0" smtClean="0"/>
+              <a:t>Microsoft 社外秘</a:t>
+            </a:r>
+          </a:p>
+        </p:txBody>
+      </p:sp>
+      <p:sp>
+        <p:nvSpPr>
+          <p:cNvPr id="41988" name="Rectangle 26"/>
+          <p:cNvSpPr>
+            <a:spLocks noGrp="1" noChangeArrowheads="1"/>
+          </p:cNvSpPr>
+          <p:nvPr>
+            <p:ph type="sldNum" sz="quarter" idx="5"/>
+          </p:nvPr>
+        </p:nvSpPr>
+        <p:spPr>
+          <a:noFill/>
+        </p:spPr>
+        <p:txBody>
+          <a:bodyPr/>
+          <a:lstStyle/>
+          <a:p>
+            <a:fld id="{B2B44A5F-6CE4-493C-A0D7-6834FF76660C}" type="slidenum">
+              <a:rPr kumimoji="1" lang="en-US" altLang="ja-JP" smtClean="0"/>
+              <a:pPr/>
+              <a:t>13</a:t>
+            </a:fld>
+            <a:endParaRPr kumimoji="1" lang="ja-JP" dirty="0" smtClean="0"/>
+          </a:p>
+        </p:txBody>
+      </p:sp>
+      <p:sp>
+        <p:nvSpPr>
+          <p:cNvPr id="41989" name="Rectangle 2"/>
+          <p:cNvSpPr>
+            <a:spLocks noGrp="1" noRot="1" noChangeAspect="1" noChangeArrowheads="1" noTextEdit="1"/>
+          </p:cNvSpPr>
+          <p:nvPr>
+            <p:ph type="sldImg"/>
+          </p:nvPr>
+        </p:nvSpPr>
+        <p:spPr>
+          <a:xfrm>
+            <a:off x="1143000" y="450850"/>
+            <a:ext cx="4572000" cy="3429000"/>
+          </a:xfrm>
+          <a:ln/>
+        </p:spPr>
+      </p:sp>
+      <p:sp>
+        <p:nvSpPr>
+          <p:cNvPr id="41990" name="Rectangle 3"/>
+          <p:cNvSpPr>
+            <a:spLocks noGrp="1" noChangeArrowheads="1"/>
+          </p:cNvSpPr>
+          <p:nvPr>
+            <p:ph type="body" idx="1"/>
+          </p:nvPr>
+        </p:nvSpPr>
+        <p:spPr>
+          <a:xfrm>
+            <a:off x="307492" y="4130104"/>
+            <a:ext cx="6261652" cy="4554823"/>
+          </a:xfrm>
+          <a:noFill/>
+          <a:ln/>
+        </p:spPr>
+        <p:txBody>
+          <a:bodyPr/>
+          <a:lstStyle/>
+          <a:p>
+            <a:pPr>
+              <a:buFontTx/>
+              <a:buNone/>
+            </a:pPr>
+            <a:endParaRPr kumimoji="1" lang="ja-JP" dirty="0" smtClean="0"/>
+          </a:p>
+        </p:txBody>
+      </p:sp>
+    </p:spTree>
+  </p:cSld>
+  <p:clrMapOvr>
+    <a:masterClrMapping/>
+  </p:clrMapOvr>
+</p:notes>
+</file>
+
+<file path=ppt/notesSlides/notesSlide14.xml><?xml version="1.0" encoding="utf-8"?>
+<p:notes xmlns:a="http://schemas.openxmlformats.org/drawingml/2006/main" xmlns:r="http://schemas.openxmlformats.org/officeDocument/2006/relationships" xmlns:p="http://schemas.openxmlformats.org/presentationml/2006/main">
+  <p:cSld>
+    <p:spTree>
+      <p:nvGrpSpPr>
+        <p:cNvPr id="1" name=""/>
+        <p:cNvGrpSpPr/>
+        <p:nvPr/>
+      </p:nvGrpSpPr>
+      <p:grpSpPr>
+        <a:xfrm>
+          <a:off x="0" y="0"/>
+          <a:ext cx="0" cy="0"/>
+          <a:chOff x="0" y="0"/>
+          <a:chExt cx="0" cy="0"/>
+        </a:xfrm>
+      </p:grpSpPr>
+      <p:sp>
+        <p:nvSpPr>
+          <p:cNvPr id="2" name="Slide Image Placeholder 1"/>
+          <p:cNvSpPr>
+            <a:spLocks noGrp="1" noRot="1" noChangeAspect="1"/>
+          </p:cNvSpPr>
+          <p:nvPr>
+            <p:ph type="sldImg"/>
+          </p:nvPr>
+        </p:nvSpPr>
+        <p:spPr/>
+      </p:sp>
+      <p:sp>
+        <p:nvSpPr>
+          <p:cNvPr id="3" name="Notes Placeholder 2"/>
+          <p:cNvSpPr>
+            <a:spLocks noGrp="1"/>
+          </p:cNvSpPr>
+          <p:nvPr>
+            <p:ph type="body" idx="1"/>
+          </p:nvPr>
+        </p:nvSpPr>
+        <p:spPr/>
+        <p:txBody>
           <a:bodyPr/>
           <a:lstStyle/>
           <a:p>
@@ -1141,7 +1349,7 @@
             <a:fld id="{75693FD4-8F83-4EF7-AC3F-0DC0388986B0}" type="slidenum">
               <a:rPr kumimoji="1" lang="en-US" altLang="ja-JP" smtClean="0"/>
               <a:pPr/>
-              <a:t>12</a:t>
+              <a:t>14</a:t>
             </a:fld>
             <a:endParaRPr kumimoji="1" lang="ja-JP"/>
           </a:p>
@@ -1989,11 +2197,7 @@
             </a:pPr>
             <a:r>
               <a:rPr kumimoji="1" lang="en-US" altLang="ja-JP" dirty="0" smtClean="0"/>
-              <a:t>I</a:t>
-            </a:r>
-            <a:r>
-              <a:rPr kumimoji="1" lang="en-US" altLang="ja-JP" baseline="0" dirty="0" smtClean="0"/>
-              <a:t> will explain Tab Completion.</a:t>
+              <a:t>I will explain piping.</a:t>
             </a:r>
             <a:endParaRPr kumimoji="1" lang="ja-JP" dirty="0" smtClean="0"/>
           </a:p>
@@ -2202,8 +2406,12 @@
               <a:defRPr kumimoji="1" lang="ja-JP"/>
             </a:pPr>
             <a:r>
-              <a:rPr kumimoji="1" lang="en-US" altLang="ja-JP" b="0" dirty="0" smtClean="0"/>
-              <a:t>Now we will show you our GS Shell.</a:t>
+              <a:rPr kumimoji="1" lang="en-US" altLang="ja-JP" dirty="0" smtClean="0"/>
+              <a:t>I</a:t>
+            </a:r>
+            <a:r>
+              <a:rPr kumimoji="1" lang="en-US" altLang="ja-JP" baseline="0" dirty="0" smtClean="0"/>
+              <a:t> will explain Tab Completion.</a:t>
             </a:r>
             <a:endParaRPr kumimoji="1" lang="ja-JP" dirty="0" smtClean="0"/>
           </a:p>
@@ -6124,14 +6332,7 @@
                 <a:latin typeface="Copperplate Gothic Bold"/>
                 <a:cs typeface="Copperplate Gothic Bold"/>
               </a:rPr>
-              <a:t>CSCI3431 </a:t>
-            </a:r>
-            <a:r>
-              <a:rPr kumimoji="1" lang="en-US" altLang="ja-JP" sz="4800" dirty="0" smtClean="0">
-                <a:latin typeface="Copperplate Gothic Bold"/>
-                <a:cs typeface="Copperplate Gothic Bold"/>
-              </a:rPr>
-              <a:t>Project</a:t>
+              <a:t>CSCI3431 Project</a:t>
             </a:r>
             <a:br>
               <a:rPr kumimoji="1" lang="en-US" altLang="ja-JP" sz="4800" dirty="0" smtClean="0">
@@ -6144,21 +6345,7 @@
                 <a:latin typeface="Copperplate Gothic Bold"/>
                 <a:cs typeface="Copperplate Gothic Bold"/>
               </a:rPr>
-              <a:t>Group</a:t>
-            </a:r>
-            <a:r>
-              <a:rPr kumimoji="1" lang="en-US" altLang="ja-JP" sz="4800" dirty="0" smtClean="0">
-                <a:latin typeface="Copperplate Gothic Bold"/>
-                <a:cs typeface="Copperplate Gothic Bold"/>
-              </a:rPr>
-              <a:t>#</a:t>
-            </a:r>
-            <a:r>
-              <a:rPr kumimoji="1" lang="en-US" altLang="ja-JP" sz="4800" dirty="0" smtClean="0">
-                <a:latin typeface="Copperplate Gothic Bold"/>
-                <a:cs typeface="Copperplate Gothic Bold"/>
-              </a:rPr>
-              <a:t>9</a:t>
+              <a:t>Group#9</a:t>
             </a:r>
             <a:br>
               <a:rPr kumimoji="1" lang="en-US" altLang="ja-JP" sz="4800" dirty="0" smtClean="0">
@@ -6171,14 +6358,7 @@
                 <a:latin typeface="Copperplate Gothic Bold"/>
                 <a:cs typeface="Copperplate Gothic Bold"/>
               </a:rPr>
-              <a:t>GS </a:t>
-            </a:r>
-            <a:r>
-              <a:rPr kumimoji="1" lang="en-US" altLang="ja-JP" sz="4800" dirty="0" smtClean="0">
-                <a:latin typeface="Copperplate Gothic Bold"/>
-                <a:cs typeface="Copperplate Gothic Bold"/>
-              </a:rPr>
-              <a:t>Shell</a:t>
+              <a:t>GS Shell</a:t>
             </a:r>
             <a:endParaRPr kumimoji="1" lang="ja-JP" sz="4800" dirty="0">
               <a:latin typeface="Copperplate Gothic Bold"/>
@@ -6313,14 +6493,7 @@
                 <a:latin typeface="+mn-lt"/>
                 <a:cs typeface="Times New Roman"/>
               </a:rPr>
-              <a:t>2014</a:t>
-            </a:r>
-            <a:r>
-              <a:rPr kumimoji="1" lang="en-US" altLang="ja-JP" sz="2400" dirty="0" smtClean="0">
-                <a:latin typeface="+mn-lt"/>
-                <a:cs typeface="Times New Roman"/>
-              </a:rPr>
-              <a:t>/11/27</a:t>
+              <a:t>2014/11/27</a:t>
             </a:r>
             <a:endParaRPr kumimoji="1" lang="ja-JP" sz="2400" dirty="0">
               <a:latin typeface="+mn-lt"/>
@@ -6397,7 +6570,7 @@
                 <a:latin typeface="Copperplate Gothic Bold"/>
                 <a:cs typeface="Copperplate Gothic Bold"/>
               </a:rPr>
-              <a:t>Ⅳ.</a:t>
+              <a:t>Ⅲ.</a:t>
             </a:r>
             <a:r>
               <a:rPr lang="ja-JP" altLang="en-US" sz="2800" b="1" dirty="0">
@@ -6407,11 +6580,11 @@
               <a:t> </a:t>
             </a:r>
             <a:r>
-              <a:rPr lang="en-US" altLang="ja-JP" sz="2800" b="1" dirty="0">
+              <a:rPr lang="en-US" altLang="ja-JP" sz="2800" b="1" dirty="0" smtClean="0">
                 <a:latin typeface="Copperplate Gothic Bold"/>
                 <a:cs typeface="Copperplate Gothic Bold"/>
               </a:rPr>
-              <a:t>Outcome (What we learned)</a:t>
+              <a:t>Demo</a:t>
             </a:r>
             <a:endParaRPr lang="en-CA" altLang="ja-JP" sz="2800" b="1" dirty="0">
               <a:latin typeface="Copperplate Gothic Bold"/>
@@ -6433,152 +6606,39 @@
         <p:spPr>
           <a:xfrm>
             <a:off x="685800" y="1340768"/>
-            <a:ext cx="8322568" cy="3888432"/>
+            <a:ext cx="8322568" cy="2376264"/>
           </a:xfrm>
         </p:spPr>
         <p:txBody>
           <a:bodyPr>
-            <a:noAutofit/>
+            <a:normAutofit/>
           </a:bodyPr>
           <a:lstStyle/>
           <a:p>
             <a:pPr marL="0" indent="0">
-              <a:lnSpc>
-                <a:spcPct val="150000"/>
-              </a:lnSpc>
               <a:buNone/>
             </a:pPr>
             <a:r>
-              <a:rPr kumimoji="1" lang="ja-JP" altLang="en-US" sz="2800" dirty="0"/>
-              <a:t>・ </a:t>
-            </a:r>
-            <a:r>
-              <a:rPr kumimoji="1" lang="en-US" altLang="ja-JP" sz="2800" dirty="0" smtClean="0"/>
-              <a:t>Obtained skills </a:t>
-            </a:r>
-            <a:r>
-              <a:rPr kumimoji="1" lang="en-US" altLang="ja-JP" dirty="0" smtClean="0"/>
-              <a:t>(C language and UNIX commands)</a:t>
-            </a:r>
+              <a:rPr kumimoji="1" lang="ja-JP" altLang="en-US" dirty="0" smtClean="0"/>
+              <a:t> </a:t>
+            </a:r>
+            <a:endParaRPr kumimoji="1" lang="en-US" altLang="ja-JP" dirty="0" smtClean="0"/>
           </a:p>
           <a:p>
             <a:pPr marL="0" indent="0">
-              <a:lnSpc>
-                <a:spcPct val="150000"/>
-              </a:lnSpc>
               <a:buNone/>
             </a:pPr>
-            <a:r>
-              <a:rPr kumimoji="1" lang="ja-JP" altLang="en-US" sz="2800" dirty="0" smtClean="0"/>
-              <a:t>・ </a:t>
-            </a:r>
-            <a:r>
-              <a:rPr kumimoji="1" lang="en-US" altLang="ja-JP" sz="2800" dirty="0" smtClean="0"/>
-              <a:t>Learned document management </a:t>
-            </a:r>
-            <a:r>
-              <a:rPr kumimoji="1" lang="en-US" altLang="ja-JP" dirty="0" smtClean="0"/>
-              <a:t>(</a:t>
-            </a:r>
-            <a:r>
-              <a:rPr kumimoji="1" lang="en-US" altLang="ja-JP" dirty="0" err="1" smtClean="0"/>
-              <a:t>Github</a:t>
-            </a:r>
-            <a:r>
-              <a:rPr kumimoji="1" lang="en-US" altLang="ja-JP" dirty="0" smtClean="0"/>
-              <a:t>)</a:t>
-            </a:r>
+            <a:endParaRPr kumimoji="1" lang="en-US" altLang="ja-JP" dirty="0" smtClean="0"/>
           </a:p>
           <a:p>
             <a:pPr marL="0" indent="0">
-              <a:lnSpc>
-                <a:spcPct val="150000"/>
-              </a:lnSpc>
               <a:buNone/>
             </a:pPr>
             <a:r>
-              <a:rPr kumimoji="1" lang="ja-JP" altLang="en-US" sz="2800" dirty="0" smtClean="0"/>
-              <a:t>・ </a:t>
-            </a:r>
-            <a:r>
-              <a:rPr kumimoji="1" lang="en-US" altLang="ja-JP" sz="2800" dirty="0" smtClean="0"/>
-              <a:t>Communication</a:t>
-            </a:r>
-          </a:p>
-          <a:p>
-            <a:pPr marL="0" indent="0">
-              <a:lnSpc>
-                <a:spcPct val="150000"/>
-              </a:lnSpc>
-              <a:buNone/>
-            </a:pPr>
-            <a:r>
-              <a:rPr kumimoji="1" lang="en-US" altLang="ja-JP" dirty="0" smtClean="0"/>
-              <a:t>         </a:t>
-            </a:r>
-            <a:r>
-              <a:rPr kumimoji="1" lang="en-US" altLang="ja-JP" dirty="0"/>
-              <a:t>- email and meeting</a:t>
-            </a:r>
-            <a:endParaRPr kumimoji="1" lang="en-US" altLang="ja-JP" dirty="0" smtClean="0"/>
-          </a:p>
-          <a:p>
-            <a:pPr marL="0" indent="0">
-              <a:lnSpc>
-                <a:spcPct val="150000"/>
-              </a:lnSpc>
-              <a:buNone/>
-            </a:pPr>
-            <a:r>
-              <a:rPr kumimoji="1" lang="ja-JP" altLang="en-US" sz="2800" dirty="0" smtClean="0"/>
-              <a:t>・ </a:t>
-            </a:r>
-            <a:r>
-              <a:rPr kumimoji="1" lang="en-US" altLang="ja-JP" sz="2800" dirty="0"/>
-              <a:t>Planning is </a:t>
-            </a:r>
-            <a:r>
-              <a:rPr kumimoji="1" lang="en-US" altLang="ja-JP" sz="2800" dirty="0" smtClean="0"/>
-              <a:t>important</a:t>
-            </a:r>
-          </a:p>
-          <a:p>
-            <a:pPr marL="0" indent="0">
-              <a:lnSpc>
-                <a:spcPct val="150000"/>
-              </a:lnSpc>
-              <a:buNone/>
-            </a:pPr>
-            <a:r>
-              <a:rPr kumimoji="1" lang="en-US" altLang="ja-JP" dirty="0"/>
+              <a:rPr kumimoji="1" lang="ja-JP" altLang="en-US" dirty="0" smtClean="0"/>
               <a:t> </a:t>
             </a:r>
-            <a:r>
-              <a:rPr kumimoji="1" lang="en-US" altLang="ja-JP" dirty="0" smtClean="0"/>
-              <a:t>        - </a:t>
-            </a:r>
-            <a:r>
-              <a:rPr kumimoji="1" lang="en-US" altLang="ja-JP" dirty="0" smtClean="0"/>
-              <a:t>difficult </a:t>
-            </a:r>
-            <a:r>
-              <a:rPr kumimoji="1" lang="en-US" altLang="ja-JP" dirty="0" smtClean="0"/>
-              <a:t>to combine 3 functionalities at the </a:t>
-            </a:r>
-            <a:r>
-              <a:rPr kumimoji="1" lang="en-US" altLang="ja-JP" dirty="0" smtClean="0"/>
-              <a:t>end</a:t>
-            </a:r>
-            <a:endParaRPr kumimoji="1" lang="en-US" altLang="ja-JP" dirty="0" smtClean="0"/>
-          </a:p>
-          <a:p>
-            <a:pPr marL="0" indent="0">
-              <a:lnSpc>
-                <a:spcPct val="150000"/>
-              </a:lnSpc>
-              <a:buNone/>
-            </a:pPr>
-            <a:endParaRPr kumimoji="1" lang="en-US" altLang="ja-JP" sz="2800" dirty="0" smtClean="0"/>
+            <a:endParaRPr kumimoji="1" lang="ja-JP" altLang="en-US" i="1" dirty="0"/>
           </a:p>
         </p:txBody>
       </p:sp>
@@ -6629,13 +6689,43 @@
           </a:p>
         </p:txBody>
       </p:sp>
+      <p:pic>
+        <p:nvPicPr>
+          <p:cNvPr id="3" name="图片 2" descr="Demo.tiff"/>
+          <p:cNvPicPr>
+            <a:picLocks noChangeAspect="1"/>
+          </p:cNvPicPr>
+          <p:nvPr/>
+        </p:nvPicPr>
+        <p:blipFill>
+          <a:blip r:embed="rId6">
+            <a:extLst>
+              <a:ext uri="{28A0092B-C50C-407E-A947-70E740481C1C}">
+                <a14:useLocalDpi xmlns:a14="http://schemas.microsoft.com/office/drawing/2010/main" val="0"/>
+              </a:ext>
+            </a:extLst>
+          </a:blip>
+          <a:stretch>
+            <a:fillRect/>
+          </a:stretch>
+        </p:blipFill>
+        <p:spPr>
+          <a:xfrm>
+            <a:off x="683568" y="1124744"/>
+            <a:ext cx="8267653" cy="5071593"/>
+          </a:xfrm>
+          <a:prstGeom prst="rect">
+            <a:avLst/>
+          </a:prstGeom>
+        </p:spPr>
+      </p:pic>
     </p:spTree>
     <p:custDataLst>
       <p:tags r:id="rId1"/>
     </p:custDataLst>
     <p:extLst>
       <p:ext uri="{BB962C8B-B14F-4D97-AF65-F5344CB8AC3E}">
-        <p14:creationId xmlns:p14="http://schemas.microsoft.com/office/powerpoint/2010/main" val="3197220492"/>
+        <p14:creationId xmlns:p14="http://schemas.microsoft.com/office/powerpoint/2010/main" val="3460357415"/>
       </p:ext>
     </p:extLst>
   </p:cSld>
@@ -6674,6 +6764,516 @@
       </p:grpSpPr>
       <p:sp>
         <p:nvSpPr>
+          <p:cNvPr id="2" name="Title 1"/>
+          <p:cNvSpPr>
+            <a:spLocks noGrp="1"/>
+          </p:cNvSpPr>
+          <p:nvPr>
+            <p:ph type="title"/>
+            <p:custDataLst>
+              <p:tags r:id="rId2"/>
+            </p:custDataLst>
+          </p:nvPr>
+        </p:nvSpPr>
+        <p:spPr>
+          <a:xfrm>
+            <a:off x="762000" y="274638"/>
+            <a:ext cx="8077200" cy="778098"/>
+          </a:xfrm>
+        </p:spPr>
+        <p:txBody>
+          <a:bodyPr>
+            <a:noAutofit/>
+          </a:bodyPr>
+          <a:lstStyle/>
+          <a:p>
+            <a:r>
+              <a:rPr lang="en-US" altLang="ja-JP" sz="2800" b="1" dirty="0">
+                <a:latin typeface="Copperplate Gothic Bold"/>
+                <a:cs typeface="Copperplate Gothic Bold"/>
+              </a:rPr>
+              <a:t>Ⅳ.</a:t>
+            </a:r>
+            <a:r>
+              <a:rPr lang="ja-JP" altLang="en-US" sz="2800" b="1" dirty="0">
+                <a:latin typeface="Copperplate Gothic Bold"/>
+                <a:cs typeface="Copperplate Gothic Bold"/>
+              </a:rPr>
+              <a:t> </a:t>
+            </a:r>
+            <a:r>
+              <a:rPr lang="en-US" altLang="ja-JP" sz="2800" b="1" dirty="0">
+                <a:latin typeface="Copperplate Gothic Bold"/>
+                <a:cs typeface="Copperplate Gothic Bold"/>
+              </a:rPr>
+              <a:t>Outcome (What we learned)</a:t>
+            </a:r>
+            <a:endParaRPr lang="en-CA" altLang="ja-JP" sz="2800" b="1" dirty="0">
+              <a:latin typeface="Copperplate Gothic Bold"/>
+              <a:cs typeface="Copperplate Gothic Bold"/>
+            </a:endParaRPr>
+          </a:p>
+        </p:txBody>
+      </p:sp>
+      <p:sp>
+        <p:nvSpPr>
+          <p:cNvPr id="7" name="コンテンツ プレースホルダー 6"/>
+          <p:cNvSpPr>
+            <a:spLocks noGrp="1"/>
+          </p:cNvSpPr>
+          <p:nvPr>
+            <p:ph sz="half" idx="2"/>
+          </p:nvPr>
+        </p:nvSpPr>
+        <p:spPr>
+          <a:xfrm>
+            <a:off x="685800" y="1340768"/>
+            <a:ext cx="8322568" cy="3888432"/>
+          </a:xfrm>
+        </p:spPr>
+        <p:txBody>
+          <a:bodyPr>
+            <a:noAutofit/>
+          </a:bodyPr>
+          <a:lstStyle/>
+          <a:p>
+            <a:pPr marL="0" indent="0">
+              <a:lnSpc>
+                <a:spcPct val="150000"/>
+              </a:lnSpc>
+              <a:buNone/>
+            </a:pPr>
+            <a:r>
+              <a:rPr kumimoji="1" lang="ja-JP" altLang="en-US" sz="2800" dirty="0"/>
+              <a:t>・ </a:t>
+            </a:r>
+            <a:r>
+              <a:rPr kumimoji="1" lang="en-US" altLang="ja-JP" sz="2800" dirty="0" smtClean="0"/>
+              <a:t>Obtained skills </a:t>
+            </a:r>
+            <a:r>
+              <a:rPr kumimoji="1" lang="en-US" altLang="ja-JP" dirty="0" smtClean="0"/>
+              <a:t>(C language and UNIX commands)</a:t>
+            </a:r>
+          </a:p>
+          <a:p>
+            <a:pPr marL="0" indent="0">
+              <a:lnSpc>
+                <a:spcPct val="150000"/>
+              </a:lnSpc>
+              <a:buNone/>
+            </a:pPr>
+            <a:r>
+              <a:rPr kumimoji="1" lang="ja-JP" altLang="en-US" sz="2800" dirty="0" smtClean="0"/>
+              <a:t>・ </a:t>
+            </a:r>
+            <a:r>
+              <a:rPr kumimoji="1" lang="en-US" altLang="ja-JP" sz="2800" dirty="0" smtClean="0"/>
+              <a:t>Learned document management </a:t>
+            </a:r>
+            <a:r>
+              <a:rPr kumimoji="1" lang="en-US" altLang="ja-JP" dirty="0" smtClean="0"/>
+              <a:t>(</a:t>
+            </a:r>
+            <a:r>
+              <a:rPr kumimoji="1" lang="en-US" altLang="ja-JP" dirty="0" err="1" smtClean="0"/>
+              <a:t>Github</a:t>
+            </a:r>
+            <a:r>
+              <a:rPr kumimoji="1" lang="en-US" altLang="ja-JP" dirty="0" smtClean="0"/>
+              <a:t>)</a:t>
+            </a:r>
+          </a:p>
+          <a:p>
+            <a:pPr marL="0" indent="0">
+              <a:lnSpc>
+                <a:spcPct val="150000"/>
+              </a:lnSpc>
+              <a:buNone/>
+            </a:pPr>
+            <a:r>
+              <a:rPr kumimoji="1" lang="ja-JP" altLang="en-US" sz="2800" dirty="0" smtClean="0"/>
+              <a:t>・ </a:t>
+            </a:r>
+            <a:r>
+              <a:rPr kumimoji="1" lang="en-US" altLang="ja-JP" sz="2800" dirty="0" smtClean="0"/>
+              <a:t>Communication</a:t>
+            </a:r>
+          </a:p>
+          <a:p>
+            <a:pPr marL="0" indent="0">
+              <a:lnSpc>
+                <a:spcPct val="150000"/>
+              </a:lnSpc>
+              <a:buNone/>
+            </a:pPr>
+            <a:r>
+              <a:rPr kumimoji="1" lang="en-US" altLang="ja-JP" dirty="0" smtClean="0"/>
+              <a:t>         </a:t>
+            </a:r>
+            <a:r>
+              <a:rPr kumimoji="1" lang="en-US" altLang="ja-JP" dirty="0"/>
+              <a:t>- email and meeting</a:t>
+            </a:r>
+            <a:endParaRPr kumimoji="1" lang="en-US" altLang="ja-JP" dirty="0" smtClean="0"/>
+          </a:p>
+          <a:p>
+            <a:pPr marL="0" indent="0">
+              <a:lnSpc>
+                <a:spcPct val="150000"/>
+              </a:lnSpc>
+              <a:buNone/>
+            </a:pPr>
+            <a:r>
+              <a:rPr kumimoji="1" lang="ja-JP" altLang="en-US" sz="2800" dirty="0" smtClean="0"/>
+              <a:t>・ </a:t>
+            </a:r>
+            <a:r>
+              <a:rPr kumimoji="1" lang="en-US" altLang="ja-JP" sz="2800" dirty="0"/>
+              <a:t>Planning is </a:t>
+            </a:r>
+            <a:r>
+              <a:rPr kumimoji="1" lang="en-US" altLang="ja-JP" sz="2800" dirty="0" smtClean="0"/>
+              <a:t>important</a:t>
+            </a:r>
+          </a:p>
+          <a:p>
+            <a:pPr marL="0" indent="0">
+              <a:lnSpc>
+                <a:spcPct val="150000"/>
+              </a:lnSpc>
+              <a:buNone/>
+            </a:pPr>
+            <a:r>
+              <a:rPr kumimoji="1" lang="en-US" altLang="ja-JP" dirty="0"/>
+              <a:t> </a:t>
+            </a:r>
+            <a:r>
+              <a:rPr kumimoji="1" lang="en-US" altLang="ja-JP" dirty="0" smtClean="0"/>
+              <a:t>        - difficult to combine 3 functionalities at the end</a:t>
+            </a:r>
+          </a:p>
+          <a:p>
+            <a:pPr marL="0" indent="0">
+              <a:lnSpc>
+                <a:spcPct val="150000"/>
+              </a:lnSpc>
+              <a:buNone/>
+            </a:pPr>
+            <a:endParaRPr kumimoji="1" lang="en-US" altLang="ja-JP" sz="2800" dirty="0" smtClean="0"/>
+          </a:p>
+        </p:txBody>
+      </p:sp>
+      <p:sp>
+        <p:nvSpPr>
+          <p:cNvPr id="6" name="Title 1"/>
+          <p:cNvSpPr txBox="1">
+            <a:spLocks/>
+          </p:cNvSpPr>
+          <p:nvPr>
+            <p:custDataLst>
+              <p:tags r:id="rId3"/>
+            </p:custDataLst>
+          </p:nvPr>
+        </p:nvSpPr>
+        <p:spPr>
+          <a:xfrm>
+            <a:off x="7164288" y="5661248"/>
+            <a:ext cx="1844080" cy="1088504"/>
+          </a:xfrm>
+          <a:prstGeom prst="rect">
+            <a:avLst/>
+          </a:prstGeom>
+        </p:spPr>
+        <p:txBody>
+          <a:bodyPr vert="horz" lIns="91440" tIns="45720" rIns="91440" bIns="45720" rtlCol="0" anchor="ctr">
+            <a:noAutofit/>
+          </a:bodyPr>
+          <a:lstStyle>
+            <a:lvl1pPr algn="l" defTabSz="914400" rtl="0" eaLnBrk="1" latinLnBrk="0" hangingPunct="1">
+              <a:spcBef>
+                <a:spcPct val="0"/>
+              </a:spcBef>
+              <a:buNone/>
+              <a:defRPr kumimoji="1" lang="ja-JP" sz="4400" kern="1200">
+                <a:solidFill>
+                  <a:schemeClr val="tx1"/>
+                </a:solidFill>
+                <a:latin typeface="+mj-lt"/>
+                <a:ea typeface="+mj-ea"/>
+                <a:cs typeface="+mj-cs"/>
+              </a:defRPr>
+            </a:lvl1pPr>
+          </a:lstStyle>
+          <a:p>
+            <a:pPr algn="r"/>
+            <a:endParaRPr lang="en-US" altLang="ja-JP" sz="1700" dirty="0"/>
+          </a:p>
+        </p:txBody>
+      </p:sp>
+    </p:spTree>
+    <p:custDataLst>
+      <p:tags r:id="rId1"/>
+    </p:custDataLst>
+    <p:extLst>
+      <p:ext uri="{BB962C8B-B14F-4D97-AF65-F5344CB8AC3E}">
+        <p14:creationId xmlns:p14="http://schemas.microsoft.com/office/powerpoint/2010/main" val="3197220492"/>
+      </p:ext>
+    </p:extLst>
+  </p:cSld>
+  <p:clrMapOvr>
+    <a:masterClrMapping/>
+  </p:clrMapOvr>
+  <p:transition xmlns:p14="http://schemas.microsoft.com/office/powerpoint/2010/main" spd="slow">
+    <p:wipe dir="d"/>
+  </p:transition>
+  <p:timing>
+    <p:tnLst>
+      <p:par>
+        <p:cTn xmlns:p14="http://schemas.microsoft.com/office/powerpoint/2010/main" id="1" dur="indefinite" restart="never" nodeType="tmRoot"/>
+      </p:par>
+    </p:tnLst>
+  </p:timing>
+</p:sld>
+</file>
+
+<file path=ppt/slides/slide12.xml><?xml version="1.0" encoding="utf-8"?>
+<p:sld xmlns:a="http://schemas.openxmlformats.org/drawingml/2006/main" xmlns:r="http://schemas.openxmlformats.org/officeDocument/2006/relationships" xmlns:p="http://schemas.openxmlformats.org/presentationml/2006/main">
+  <p:cSld>
+    <p:spTree>
+      <p:nvGrpSpPr>
+        <p:cNvPr id="1" name=""/>
+        <p:cNvGrpSpPr/>
+        <p:nvPr/>
+      </p:nvGrpSpPr>
+      <p:grpSpPr>
+        <a:xfrm>
+          <a:off x="0" y="0"/>
+          <a:ext cx="0" cy="0"/>
+          <a:chOff x="0" y="0"/>
+          <a:chExt cx="0" cy="0"/>
+        </a:xfrm>
+      </p:grpSpPr>
+      <p:sp>
+        <p:nvSpPr>
+          <p:cNvPr id="2" name="Title 1"/>
+          <p:cNvSpPr>
+            <a:spLocks noGrp="1"/>
+          </p:cNvSpPr>
+          <p:nvPr>
+            <p:ph type="title"/>
+            <p:custDataLst>
+              <p:tags r:id="rId2"/>
+            </p:custDataLst>
+          </p:nvPr>
+        </p:nvSpPr>
+        <p:spPr>
+          <a:xfrm>
+            <a:off x="762000" y="274638"/>
+            <a:ext cx="8077200" cy="778098"/>
+          </a:xfrm>
+        </p:spPr>
+        <p:txBody>
+          <a:bodyPr>
+            <a:noAutofit/>
+          </a:bodyPr>
+          <a:lstStyle/>
+          <a:p>
+            <a:r>
+              <a:rPr lang="en-CA" altLang="ja-JP" sz="2800" b="1" dirty="0">
+                <a:latin typeface="Copperplate Gothic Bold"/>
+                <a:cs typeface="Copperplate Gothic Bold"/>
+              </a:rPr>
+              <a:t>Resources</a:t>
+            </a:r>
+          </a:p>
+        </p:txBody>
+      </p:sp>
+      <p:sp>
+        <p:nvSpPr>
+          <p:cNvPr id="7" name="コンテンツ プレースホルダー 6"/>
+          <p:cNvSpPr>
+            <a:spLocks noGrp="1"/>
+          </p:cNvSpPr>
+          <p:nvPr>
+            <p:ph sz="half" idx="2"/>
+          </p:nvPr>
+        </p:nvSpPr>
+        <p:spPr>
+          <a:xfrm>
+            <a:off x="685800" y="1340768"/>
+            <a:ext cx="8322568" cy="2376264"/>
+          </a:xfrm>
+        </p:spPr>
+        <p:txBody>
+          <a:bodyPr>
+            <a:normAutofit fontScale="25000" lnSpcReduction="20000"/>
+          </a:bodyPr>
+          <a:lstStyle/>
+          <a:p>
+            <a:pPr marL="0" indent="0">
+              <a:buNone/>
+            </a:pPr>
+            <a:r>
+              <a:rPr kumimoji="1" lang="ja-JP" altLang="en-US" dirty="0" smtClean="0"/>
+              <a:t> </a:t>
+            </a:r>
+            <a:endParaRPr kumimoji="1" lang="en-US" altLang="ja-JP" dirty="0" smtClean="0"/>
+          </a:p>
+          <a:p>
+            <a:pPr marL="0" indent="0">
+              <a:buNone/>
+            </a:pPr>
+            <a:endParaRPr kumimoji="1" lang="en-US" altLang="ja-JP" dirty="0" smtClean="0"/>
+          </a:p>
+          <a:p>
+            <a:pPr marL="0" indent="0">
+              <a:lnSpc>
+                <a:spcPct val="310000"/>
+              </a:lnSpc>
+              <a:buNone/>
+            </a:pPr>
+            <a:r>
+              <a:rPr kumimoji="1" lang="ja-JP" altLang="en-US" sz="9600" dirty="0" smtClean="0"/>
+              <a:t>・</a:t>
+            </a:r>
+            <a:r>
+              <a:rPr kumimoji="1" lang="en-US" altLang="ja-JP" sz="9600" dirty="0" smtClean="0"/>
+              <a:t> </a:t>
+            </a:r>
+            <a:r>
+              <a:rPr kumimoji="1" lang="en-US" altLang="ja-JP" sz="9600" dirty="0"/>
+              <a:t>http://www.math.utah.edu/docs/info/rlman_toc.html#</a:t>
+            </a:r>
+            <a:r>
+              <a:rPr kumimoji="1" lang="en-US" altLang="ja-JP" sz="9600" dirty="0" smtClean="0"/>
+              <a:t>SEC21</a:t>
+            </a:r>
+          </a:p>
+          <a:p>
+            <a:pPr marL="0" indent="0">
+              <a:lnSpc>
+                <a:spcPct val="310000"/>
+              </a:lnSpc>
+              <a:buNone/>
+            </a:pPr>
+            <a:r>
+              <a:rPr kumimoji="1" lang="ja-JP" altLang="en-US" sz="9600" dirty="0" smtClean="0"/>
+              <a:t>・</a:t>
+            </a:r>
+            <a:r>
+              <a:rPr kumimoji="1" lang="en-US" altLang="ja-JP" sz="9600" dirty="0" smtClean="0"/>
+              <a:t> http</a:t>
+            </a:r>
+            <a:r>
+              <a:rPr kumimoji="1" lang="en-US" altLang="ja-JP" sz="9600" dirty="0"/>
+              <a:t>://en.wikipedia.org/wiki/Redirection_(computing</a:t>
+            </a:r>
+            <a:r>
+              <a:rPr kumimoji="1" lang="en-US" altLang="ja-JP" sz="9600" dirty="0" smtClean="0"/>
+              <a:t>)</a:t>
+            </a:r>
+          </a:p>
+          <a:p>
+            <a:pPr marL="0" indent="0">
+              <a:buNone/>
+            </a:pPr>
+            <a:endParaRPr kumimoji="1" lang="ja-JP" altLang="en-US" i="1" dirty="0"/>
+          </a:p>
+        </p:txBody>
+      </p:sp>
+      <p:sp>
+        <p:nvSpPr>
+          <p:cNvPr id="6" name="Title 1"/>
+          <p:cNvSpPr txBox="1">
+            <a:spLocks/>
+          </p:cNvSpPr>
+          <p:nvPr>
+            <p:custDataLst>
+              <p:tags r:id="rId3"/>
+            </p:custDataLst>
+          </p:nvPr>
+        </p:nvSpPr>
+        <p:spPr>
+          <a:xfrm>
+            <a:off x="7164288" y="5661248"/>
+            <a:ext cx="1844080" cy="1088504"/>
+          </a:xfrm>
+          <a:prstGeom prst="rect">
+            <a:avLst/>
+          </a:prstGeom>
+        </p:spPr>
+        <p:txBody>
+          <a:bodyPr vert="horz" lIns="91440" tIns="45720" rIns="91440" bIns="45720" rtlCol="0" anchor="ctr">
+            <a:noAutofit/>
+          </a:bodyPr>
+          <a:lstStyle>
+            <a:lvl1pPr algn="l" defTabSz="914400" rtl="0" eaLnBrk="1" latinLnBrk="0" hangingPunct="1">
+              <a:spcBef>
+                <a:spcPct val="0"/>
+              </a:spcBef>
+              <a:buNone/>
+              <a:defRPr kumimoji="1" lang="ja-JP" sz="4400" kern="1200">
+                <a:solidFill>
+                  <a:schemeClr val="tx1"/>
+                </a:solidFill>
+                <a:latin typeface="+mj-lt"/>
+                <a:ea typeface="+mj-ea"/>
+                <a:cs typeface="+mj-cs"/>
+              </a:defRPr>
+            </a:lvl1pPr>
+          </a:lstStyle>
+          <a:p>
+            <a:pPr algn="r"/>
+            <a:endParaRPr lang="en-US" altLang="ja-JP" sz="1700" dirty="0"/>
+          </a:p>
+        </p:txBody>
+      </p:sp>
+    </p:spTree>
+    <p:custDataLst>
+      <p:tags r:id="rId1"/>
+    </p:custDataLst>
+    <p:extLst>
+      <p:ext uri="{BB962C8B-B14F-4D97-AF65-F5344CB8AC3E}">
+        <p14:creationId xmlns:p14="http://schemas.microsoft.com/office/powerpoint/2010/main" val="2298112038"/>
+      </p:ext>
+    </p:extLst>
+  </p:cSld>
+  <p:clrMapOvr>
+    <a:masterClrMapping/>
+  </p:clrMapOvr>
+  <p:transition xmlns:p14="http://schemas.microsoft.com/office/powerpoint/2010/main" spd="slow">
+    <p:wipe dir="d"/>
+  </p:transition>
+  <p:timing>
+    <p:tnLst>
+      <p:par>
+        <p:cTn xmlns:p14="http://schemas.microsoft.com/office/powerpoint/2010/main" id="1" dur="indefinite" restart="never" nodeType="tmRoot"/>
+      </p:par>
+    </p:tnLst>
+  </p:timing>
+</p:sld>
+</file>
+
+<file path=ppt/slides/slide13.xml><?xml version="1.0" encoding="utf-8"?>
+<p:sld xmlns:a="http://schemas.openxmlformats.org/drawingml/2006/main" xmlns:r="http://schemas.openxmlformats.org/officeDocument/2006/relationships" xmlns:p="http://schemas.openxmlformats.org/presentationml/2006/main">
+  <p:cSld>
+    <p:spTree>
+      <p:nvGrpSpPr>
+        <p:cNvPr id="1" name=""/>
+        <p:cNvGrpSpPr/>
+        <p:nvPr/>
+      </p:nvGrpSpPr>
+      <p:grpSpPr>
+        <a:xfrm>
+          <a:off x="0" y="0"/>
+          <a:ext cx="0" cy="0"/>
+          <a:chOff x="0" y="0"/>
+          <a:chExt cx="0" cy="0"/>
+        </a:xfrm>
+      </p:grpSpPr>
+      <p:sp>
+        <p:nvSpPr>
           <p:cNvPr id="620546" name="Rectangle 2"/>
           <p:cNvSpPr>
             <a:spLocks noGrp="1" noChangeArrowheads="1"/>
@@ -6784,7 +7384,7 @@
 </p:sld>
 </file>
 
-<file path=ppt/slides/slide12.xml><?xml version="1.0" encoding="utf-8"?>
+<file path=ppt/slides/slide14.xml><?xml version="1.0" encoding="utf-8"?>
 <p:sld xmlns:a="http://schemas.openxmlformats.org/drawingml/2006/main" xmlns:r="http://schemas.openxmlformats.org/officeDocument/2006/relationships" xmlns:p="http://schemas.openxmlformats.org/presentationml/2006/main">
   <p:cSld>
     <p:spTree>
@@ -7236,11 +7836,7 @@
             </a:r>
             <a:r>
               <a:rPr lang="en-US" altLang="ja-JP" dirty="0" smtClean="0"/>
-              <a:t>     	- </a:t>
-            </a:r>
-            <a:r>
-              <a:rPr lang="en-US" altLang="ja-JP" dirty="0" smtClean="0"/>
-              <a:t>Piping</a:t>
+              <a:t>     	- Piping</a:t>
             </a:r>
             <a:endParaRPr lang="en-CA" altLang="ja-JP" dirty="0" smtClean="0"/>
           </a:p>
@@ -7267,11 +7863,7 @@
             </a:r>
             <a:r>
               <a:rPr lang="en-US" altLang="ja-JP" dirty="0" smtClean="0"/>
-              <a:t>- Tab </a:t>
-            </a:r>
-            <a:r>
-              <a:rPr lang="en-US" altLang="ja-JP" dirty="0" smtClean="0"/>
-              <a:t>Completion</a:t>
+              <a:t>- Tab Completion</a:t>
             </a:r>
           </a:p>
           <a:p>
@@ -7298,11 +7890,7 @@
             </a:pPr>
             <a:r>
               <a:rPr lang="en-US" altLang="ja-JP" dirty="0" smtClean="0"/>
-              <a:t>Ⅳ</a:t>
-            </a:r>
-            <a:r>
-              <a:rPr lang="en-US" altLang="ja-JP" dirty="0" smtClean="0"/>
-              <a:t>.</a:t>
+              <a:t>Ⅳ.</a:t>
             </a:r>
             <a:r>
               <a:rPr lang="ja-JP" altLang="en-US" dirty="0"/>
@@ -7461,7 +8049,6 @@
               <a:rPr kumimoji="1" lang="en-US" altLang="ja-JP" sz="2800" dirty="0" smtClean="0"/>
               <a:t>Getting started with UNIX commands</a:t>
             </a:r>
-            <a:endParaRPr kumimoji="1" lang="en-US" altLang="ja-JP" sz="2800" dirty="0" smtClean="0"/>
           </a:p>
           <a:p>
             <a:pPr marL="0" indent="0">
@@ -7476,11 +8063,7 @@
             </a:r>
             <a:r>
               <a:rPr kumimoji="1" lang="en-US" altLang="ja-JP" sz="2800" dirty="0" smtClean="0"/>
-              <a:t>Written by C </a:t>
-            </a:r>
-            <a:r>
-              <a:rPr kumimoji="1" lang="en-US" altLang="ja-JP" sz="2800" dirty="0" smtClean="0"/>
-              <a:t>language</a:t>
+              <a:t>Written by C language</a:t>
             </a:r>
           </a:p>
           <a:p>
@@ -7726,11 +8309,7 @@
             </a:r>
             <a:r>
               <a:rPr kumimoji="1" lang="en-US" altLang="ja-JP" sz="11200" dirty="0" smtClean="0"/>
-              <a:t>Use </a:t>
-            </a:r>
-            <a:r>
-              <a:rPr kumimoji="1" lang="en-US" altLang="ja-JP" sz="11200" dirty="0" smtClean="0"/>
-              <a:t>simple data structure</a:t>
+              <a:t>Use simple data structure</a:t>
             </a:r>
           </a:p>
           <a:p>
@@ -7948,11 +8527,7 @@
             </a:r>
             <a:r>
               <a:rPr kumimoji="1" lang="en-US" altLang="ja-JP" dirty="0" smtClean="0"/>
-              <a:t> </a:t>
-            </a:r>
-            <a:r>
-              <a:rPr kumimoji="1" lang="en-US" altLang="ja-JP" dirty="0" smtClean="0"/>
-              <a:t>connect </a:t>
+              <a:t> connect </a:t>
             </a:r>
             <a:r>
               <a:rPr kumimoji="1" lang="en-US" altLang="ja-JP" dirty="0"/>
@@ -8243,11 +8818,7 @@
             </a:r>
             <a:r>
               <a:rPr kumimoji="1" lang="en-US" altLang="ja-JP" dirty="0" smtClean="0"/>
-              <a:t> </a:t>
-            </a:r>
-            <a:r>
-              <a:rPr kumimoji="1" lang="en-US" altLang="ja-JP" dirty="0" smtClean="0"/>
-              <a:t>pre-pipe</a:t>
+              <a:t> pre-pipe</a:t>
             </a:r>
           </a:p>
           <a:p>
@@ -8347,11 +8918,7 @@
             </a:r>
             <a:r>
               <a:rPr kumimoji="1" lang="en-US" altLang="ja-JP" dirty="0" smtClean="0"/>
-              <a:t> </a:t>
-            </a:r>
-            <a:r>
-              <a:rPr kumimoji="1" lang="en-US" altLang="ja-JP" dirty="0" smtClean="0"/>
-              <a:t>post-pipe</a:t>
+              <a:t> post-pipe</a:t>
             </a:r>
           </a:p>
           <a:p>
@@ -8524,14 +9091,14 @@
                 <a:latin typeface="Copperplate Gothic Bold"/>
                 <a:cs typeface="Copperplate Gothic Bold"/>
               </a:rPr>
-              <a:t>3: </a:t>
-            </a:r>
-            <a:r>
-              <a:rPr lang="en-US" altLang="ja-JP" sz="2800" b="1" dirty="0" smtClean="0">
+              <a:t>2: </a:t>
+            </a:r>
+            <a:r>
+              <a:rPr lang="en-US" altLang="ja-JP" sz="2800" b="1" dirty="0" err="1" smtClean="0">
                 <a:latin typeface="Copperplate Gothic Bold"/>
                 <a:cs typeface="Copperplate Gothic Bold"/>
               </a:rPr>
-              <a:t>Redirection</a:t>
+              <a:t>Pipline</a:t>
             </a:r>
             <a:endParaRPr lang="en-CA" altLang="ja-JP" sz="2800" b="1" dirty="0">
               <a:latin typeface="Copperplate Gothic Bold"/>
@@ -8552,8 +9119,8 @@
         </p:nvSpPr>
         <p:spPr>
           <a:xfrm>
-            <a:off x="685800" y="1340768"/>
-            <a:ext cx="8322568" cy="3960440"/>
+            <a:off x="683568" y="908720"/>
+            <a:ext cx="3886200" cy="2376264"/>
           </a:xfrm>
         </p:spPr>
         <p:txBody>
@@ -8568,102 +9135,21 @@
               </a:lnSpc>
               <a:buNone/>
             </a:pPr>
-            <a:r>
-              <a:rPr kumimoji="1" lang="ja-JP" altLang="en-US" dirty="0" smtClean="0"/>
-              <a:t>・</a:t>
-            </a:r>
-            <a:r>
-              <a:rPr kumimoji="1" lang="en-US" altLang="ja-JP" dirty="0" smtClean="0"/>
-              <a:t> implemented by placing certain characters between commands</a:t>
-            </a:r>
             <a:endParaRPr kumimoji="1" lang="en-US" altLang="ja-JP" dirty="0" smtClean="0"/>
           </a:p>
           <a:p>
             <a:pPr marL="0" indent="0">
-              <a:lnSpc>
-                <a:spcPct val="200000"/>
-              </a:lnSpc>
               <a:buNone/>
             </a:pPr>
             <a:r>
-              <a:rPr kumimoji="1" lang="ja-JP" altLang="en-US" dirty="0" smtClean="0"/>
-              <a:t>・</a:t>
-            </a:r>
-            <a:r>
-              <a:rPr kumimoji="1" lang="en-US" altLang="ja-JP" dirty="0" smtClean="0"/>
-              <a:t> “&lt;” – redirect input</a:t>
-            </a:r>
-          </a:p>
-          <a:p>
-            <a:pPr marL="0" indent="0">
-              <a:lnSpc>
-                <a:spcPct val="200000"/>
-              </a:lnSpc>
-              <a:buNone/>
-            </a:pPr>
-            <a:r>
-              <a:rPr kumimoji="1" lang="en-US" altLang="ja-JP" dirty="0" smtClean="0"/>
-              <a:t>   “&gt;” – redirect output</a:t>
-            </a:r>
-            <a:endParaRPr kumimoji="1" lang="en-US" altLang="ja-JP" dirty="0" smtClean="0"/>
-          </a:p>
-          <a:p>
-            <a:pPr marL="0" indent="0">
-              <a:lnSpc>
-                <a:spcPct val="200000"/>
-              </a:lnSpc>
-              <a:buNone/>
-            </a:pPr>
-            <a:r>
-              <a:rPr kumimoji="1" lang="ja-JP" altLang="en-US" dirty="0" smtClean="0"/>
-              <a:t>・ </a:t>
-            </a:r>
-            <a:r>
-              <a:rPr kumimoji="1" lang="en-CA" altLang="ja-JP" dirty="0" smtClean="0"/>
-              <a:t>e.g.	</a:t>
-            </a:r>
-            <a:r>
-              <a:rPr lang="en-US" altLang="zh-CN" i="1" dirty="0" err="1"/>
-              <a:t>ls</a:t>
-            </a:r>
-            <a:r>
-              <a:rPr lang="en-US" altLang="zh-CN" i="1" dirty="0"/>
-              <a:t> &gt; </a:t>
-            </a:r>
-            <a:r>
-              <a:rPr lang="en-US" altLang="zh-CN" i="1" dirty="0" err="1" smtClean="0"/>
-              <a:t>fi.txt</a:t>
-            </a:r>
-            <a:endParaRPr lang="en-US" altLang="zh-CN" i="1" dirty="0" smtClean="0"/>
-          </a:p>
-          <a:p>
-            <a:pPr marL="0" indent="0">
-              <a:lnSpc>
-                <a:spcPct val="200000"/>
-              </a:lnSpc>
-              <a:buNone/>
-            </a:pPr>
-            <a:r>
-              <a:rPr kumimoji="1" lang="en-US" altLang="ja-JP" i="1" dirty="0" smtClean="0"/>
+              <a:rPr lang="en-US" altLang="zh-CN" sz="1200" dirty="0"/>
+              <a:t> </a:t>
+            </a:r>
+            <a:r>
+              <a:rPr lang="en-US" altLang="zh-CN" sz="1200" dirty="0" smtClean="0"/>
               <a:t>   </a:t>
             </a:r>
-            <a:r>
-              <a:rPr kumimoji="1" lang="en-US" altLang="ja-JP" dirty="0" smtClean="0"/>
-              <a:t>store the result of command “</a:t>
-            </a:r>
-            <a:r>
-              <a:rPr kumimoji="1" lang="en-US" altLang="ja-JP" dirty="0" err="1" smtClean="0"/>
-              <a:t>ls</a:t>
-            </a:r>
-            <a:r>
-              <a:rPr kumimoji="1" lang="en-US" altLang="ja-JP" dirty="0" smtClean="0"/>
-              <a:t>” into file </a:t>
-            </a:r>
-            <a:r>
-              <a:rPr kumimoji="1" lang="en-US" altLang="ja-JP" dirty="0" err="1" smtClean="0"/>
-              <a:t>fi.txt</a:t>
-            </a:r>
-            <a:endParaRPr kumimoji="1" lang="ja-JP" altLang="en-US" i="1" dirty="0"/>
+            <a:endParaRPr kumimoji="1" lang="en-US" altLang="ja-JP" sz="1200" dirty="0" smtClean="0"/>
           </a:p>
         </p:txBody>
       </p:sp>
@@ -8714,13 +9200,43 @@
           </a:p>
         </p:txBody>
       </p:sp>
+      <p:pic>
+        <p:nvPicPr>
+          <p:cNvPr id="8" name="图片 7" descr="Pipeline.tiff"/>
+          <p:cNvPicPr>
+            <a:picLocks noChangeAspect="1"/>
+          </p:cNvPicPr>
+          <p:nvPr/>
+        </p:nvPicPr>
+        <p:blipFill>
+          <a:blip r:embed="rId6">
+            <a:extLst>
+              <a:ext uri="{28A0092B-C50C-407E-A947-70E740481C1C}">
+                <a14:useLocalDpi xmlns:a14="http://schemas.microsoft.com/office/drawing/2010/main" val="0"/>
+              </a:ext>
+            </a:extLst>
+          </a:blip>
+          <a:stretch>
+            <a:fillRect/>
+          </a:stretch>
+        </p:blipFill>
+        <p:spPr>
+          <a:xfrm>
+            <a:off x="899592" y="1556792"/>
+            <a:ext cx="7810500" cy="4013200"/>
+          </a:xfrm>
+          <a:prstGeom prst="rect">
+            <a:avLst/>
+          </a:prstGeom>
+        </p:spPr>
+      </p:pic>
     </p:spTree>
     <p:custDataLst>
       <p:tags r:id="rId1"/>
     </p:custDataLst>
     <p:extLst>
       <p:ext uri="{BB962C8B-B14F-4D97-AF65-F5344CB8AC3E}">
-        <p14:creationId xmlns:p14="http://schemas.microsoft.com/office/powerpoint/2010/main" val="2697040007"/>
+        <p14:creationId xmlns:p14="http://schemas.microsoft.com/office/powerpoint/2010/main" val="1455265224"/>
       </p:ext>
     </p:extLst>
   </p:cSld>
@@ -8808,21 +9324,14 @@
                 <a:latin typeface="Copperplate Gothic Bold"/>
                 <a:cs typeface="Copperplate Gothic Bold"/>
               </a:rPr>
-              <a:t>4: </a:t>
+              <a:t>3: </a:t>
             </a:r>
             <a:r>
               <a:rPr lang="en-US" altLang="ja-JP" sz="2800" b="1" dirty="0" smtClean="0">
                 <a:latin typeface="Copperplate Gothic Bold"/>
                 <a:cs typeface="Copperplate Gothic Bold"/>
               </a:rPr>
-              <a:t>Tab </a:t>
-            </a:r>
-            <a:r>
-              <a:rPr lang="en-US" altLang="ja-JP" sz="2800" b="1" dirty="0" smtClean="0">
-                <a:latin typeface="Copperplate Gothic Bold"/>
-                <a:cs typeface="Copperplate Gothic Bold"/>
-              </a:rPr>
-              <a:t>Completion</a:t>
+              <a:t>Redirection</a:t>
             </a:r>
             <a:endParaRPr lang="en-CA" altLang="ja-JP" sz="2800" b="1" dirty="0">
               <a:latin typeface="Copperplate Gothic Bold"/>
@@ -8844,7 +9353,7 @@
         <p:spPr>
           <a:xfrm>
             <a:off x="685800" y="1340768"/>
-            <a:ext cx="8322568" cy="2376264"/>
+            <a:ext cx="8322568" cy="3960440"/>
           </a:xfrm>
         </p:spPr>
         <p:txBody>
@@ -8860,18 +9369,13 @@
               <a:buNone/>
             </a:pPr>
             <a:r>
-              <a:rPr kumimoji="1" lang="ja-JP" altLang="en-US" sz="2800" dirty="0" smtClean="0"/>
+              <a:rPr kumimoji="1" lang="ja-JP" altLang="en-US" dirty="0" smtClean="0"/>
               <a:t>・</a:t>
             </a:r>
             <a:r>
-              <a:rPr kumimoji="1" lang="en-US" altLang="ja-JP" sz="2800" dirty="0" smtClean="0"/>
-              <a:t> search files and commands stored in current directory</a:t>
-            </a:r>
-            <a:r>
-              <a:rPr kumimoji="1" lang="ja-JP" altLang="en-US" sz="2800" dirty="0" smtClean="0"/>
-              <a:t> </a:t>
-            </a:r>
-            <a:endParaRPr kumimoji="1" lang="en-US" altLang="ja-JP" sz="2800" dirty="0" smtClean="0"/>
+              <a:rPr kumimoji="1" lang="en-US" altLang="ja-JP" dirty="0" smtClean="0"/>
+              <a:t> implemented by placing certain characters between commands</a:t>
+            </a:r>
           </a:p>
           <a:p>
             <a:pPr marL="0" indent="0">
@@ -8881,14 +9385,13 @@
               <a:buNone/>
             </a:pPr>
             <a:r>
-              <a:rPr kumimoji="1" lang="ja-JP" altLang="en-US" sz="2800" dirty="0" smtClean="0"/>
+              <a:rPr kumimoji="1" lang="ja-JP" altLang="en-US" dirty="0" smtClean="0"/>
               <a:t>・</a:t>
             </a:r>
             <a:r>
-              <a:rPr kumimoji="1" lang="en-US" altLang="ja-JP" sz="2800" dirty="0" smtClean="0"/>
-              <a:t> auto-complete the command or the file name</a:t>
-            </a:r>
-            <a:endParaRPr kumimoji="1" lang="en-US" altLang="ja-JP" sz="2800" dirty="0" smtClean="0"/>
+              <a:rPr kumimoji="1" lang="en-US" altLang="ja-JP" dirty="0" smtClean="0"/>
+              <a:t> “&lt;” – redirect input</a:t>
+            </a:r>
           </a:p>
           <a:p>
             <a:pPr marL="0" indent="0">
@@ -8898,14 +9401,67 @@
               <a:buNone/>
             </a:pPr>
             <a:r>
-              <a:rPr kumimoji="1" lang="ja-JP" altLang="en-US" sz="2800" dirty="0" smtClean="0"/>
+              <a:rPr kumimoji="1" lang="en-US" altLang="ja-JP" dirty="0" smtClean="0"/>
+              <a:t>   “&gt;” – redirect output</a:t>
+            </a:r>
+          </a:p>
+          <a:p>
+            <a:pPr marL="0" indent="0">
+              <a:lnSpc>
+                <a:spcPct val="200000"/>
+              </a:lnSpc>
+              <a:buNone/>
+            </a:pPr>
+            <a:r>
+              <a:rPr kumimoji="1" lang="ja-JP" altLang="en-US" dirty="0" smtClean="0"/>
               <a:t>・ </a:t>
             </a:r>
             <a:r>
-              <a:rPr kumimoji="1" lang="en-CA" altLang="ja-JP" sz="2800" dirty="0" smtClean="0"/>
-              <a:t>reduce mistakes and save time</a:t>
-            </a:r>
-            <a:endParaRPr kumimoji="1" lang="ja-JP" altLang="en-US" sz="2800" i="1" dirty="0"/>
+              <a:rPr kumimoji="1" lang="en-CA" altLang="ja-JP" dirty="0" smtClean="0"/>
+              <a:t>e.g.	</a:t>
+            </a:r>
+            <a:r>
+              <a:rPr lang="en-US" altLang="zh-CN" i="1" dirty="0" err="1"/>
+              <a:t>ls</a:t>
+            </a:r>
+            <a:r>
+              <a:rPr lang="en-US" altLang="zh-CN" i="1" dirty="0"/>
+              <a:t> &gt; </a:t>
+            </a:r>
+            <a:r>
+              <a:rPr lang="en-US" altLang="zh-CN" i="1" dirty="0" err="1" smtClean="0"/>
+              <a:t>fi.txt</a:t>
+            </a:r>
+            <a:endParaRPr lang="en-US" altLang="zh-CN" i="1" dirty="0" smtClean="0"/>
+          </a:p>
+          <a:p>
+            <a:pPr marL="0" indent="0">
+              <a:lnSpc>
+                <a:spcPct val="200000"/>
+              </a:lnSpc>
+              <a:buNone/>
+            </a:pPr>
+            <a:r>
+              <a:rPr kumimoji="1" lang="en-US" altLang="ja-JP" i="1" dirty="0" smtClean="0"/>
+              <a:t>   </a:t>
+            </a:r>
+            <a:r>
+              <a:rPr kumimoji="1" lang="en-US" altLang="ja-JP" dirty="0" smtClean="0"/>
+              <a:t>store the result of command “</a:t>
+            </a:r>
+            <a:r>
+              <a:rPr kumimoji="1" lang="en-US" altLang="ja-JP" dirty="0" err="1" smtClean="0"/>
+              <a:t>ls</a:t>
+            </a:r>
+            <a:r>
+              <a:rPr kumimoji="1" lang="en-US" altLang="ja-JP" dirty="0" smtClean="0"/>
+              <a:t>” into file </a:t>
+            </a:r>
+            <a:r>
+              <a:rPr kumimoji="1" lang="en-US" altLang="ja-JP" dirty="0" err="1" smtClean="0"/>
+              <a:t>fi.txt</a:t>
+            </a:r>
+            <a:endParaRPr kumimoji="1" lang="ja-JP" altLang="en-US" i="1" dirty="0"/>
           </a:p>
         </p:txBody>
       </p:sp>
@@ -8962,7 +9518,7 @@
     </p:custDataLst>
     <p:extLst>
       <p:ext uri="{BB962C8B-B14F-4D97-AF65-F5344CB8AC3E}">
-        <p14:creationId xmlns:p14="http://schemas.microsoft.com/office/powerpoint/2010/main" val="603858222"/>
+        <p14:creationId xmlns:p14="http://schemas.microsoft.com/office/powerpoint/2010/main" val="2697040007"/>
       </p:ext>
     </p:extLst>
   </p:cSld>
@@ -9029,7 +9585,7 @@
                 <a:latin typeface="Copperplate Gothic Bold"/>
                 <a:cs typeface="Copperplate Gothic Bold"/>
               </a:rPr>
-              <a:t>Ⅲ.</a:t>
+              <a:t>Ⅱ.</a:t>
             </a:r>
             <a:r>
               <a:rPr lang="ja-JP" altLang="en-US" sz="2800" b="1" dirty="0">
@@ -9039,11 +9595,25 @@
               <a:t> </a:t>
             </a:r>
             <a:r>
+              <a:rPr lang="en-CA" altLang="ja-JP" sz="2800" b="1" dirty="0">
+                <a:latin typeface="Copperplate Gothic Bold"/>
+                <a:cs typeface="Copperplate Gothic Bold"/>
+              </a:rPr>
+              <a:t>Function </a:t>
+            </a:r>
+            <a:r>
+              <a:rPr lang="en-CA" altLang="ja-JP" sz="2800" b="1" dirty="0" smtClean="0">
+                <a:latin typeface="Copperplate Gothic Bold"/>
+                <a:cs typeface="Copperplate Gothic Bold"/>
+              </a:rPr>
+              <a:t>4: </a:t>
+            </a:r>
+            <a:r>
               <a:rPr lang="en-US" altLang="ja-JP" sz="2800" b="1" dirty="0" smtClean="0">
                 <a:latin typeface="Copperplate Gothic Bold"/>
                 <a:cs typeface="Copperplate Gothic Bold"/>
               </a:rPr>
-              <a:t>Demo</a:t>
+              <a:t>Tab Completion</a:t>
             </a:r>
             <a:endParaRPr lang="en-CA" altLang="ja-JP" sz="2800" b="1" dirty="0">
               <a:latin typeface="Copperplate Gothic Bold"/>
@@ -9070,34 +9640,62 @@
         </p:spPr>
         <p:txBody>
           <a:bodyPr>
-            <a:normAutofit/>
+            <a:noAutofit/>
           </a:bodyPr>
           <a:lstStyle/>
           <a:p>
             <a:pPr marL="0" indent="0">
+              <a:lnSpc>
+                <a:spcPct val="200000"/>
+              </a:lnSpc>
               <a:buNone/>
             </a:pPr>
             <a:r>
-              <a:rPr kumimoji="1" lang="ja-JP" altLang="en-US" dirty="0" smtClean="0"/>
+              <a:rPr kumimoji="1" lang="ja-JP" altLang="en-US" sz="2800" dirty="0" smtClean="0"/>
+              <a:t>・</a:t>
+            </a:r>
+            <a:r>
+              <a:rPr kumimoji="1" lang="en-US" altLang="ja-JP" sz="2800" dirty="0" smtClean="0"/>
+              <a:t> search files and commands stored in current directory</a:t>
+            </a:r>
+            <a:r>
+              <a:rPr kumimoji="1" lang="ja-JP" altLang="en-US" sz="2800" dirty="0" smtClean="0"/>
               <a:t> </a:t>
             </a:r>
-            <a:endParaRPr kumimoji="1" lang="en-US" altLang="ja-JP" dirty="0" smtClean="0"/>
+            <a:endParaRPr kumimoji="1" lang="en-US" altLang="ja-JP" sz="2800" dirty="0" smtClean="0"/>
           </a:p>
           <a:p>
             <a:pPr marL="0" indent="0">
+              <a:lnSpc>
+                <a:spcPct val="200000"/>
+              </a:lnSpc>
               <a:buNone/>
             </a:pPr>
-            <a:endParaRPr kumimoji="1" lang="en-US" altLang="ja-JP" dirty="0" smtClean="0"/>
+            <a:r>
+              <a:rPr kumimoji="1" lang="ja-JP" altLang="en-US" sz="2800" dirty="0" smtClean="0"/>
+              <a:t>・</a:t>
+            </a:r>
+            <a:r>
+              <a:rPr kumimoji="1" lang="en-US" altLang="ja-JP" sz="2800" dirty="0" smtClean="0"/>
+              <a:t> auto-complete the command or the file name</a:t>
+            </a:r>
           </a:p>
           <a:p>
             <a:pPr marL="0" indent="0">
+              <a:lnSpc>
+                <a:spcPct val="200000"/>
+              </a:lnSpc>
               <a:buNone/>
             </a:pPr>
             <a:r>
-              <a:rPr kumimoji="1" lang="ja-JP" altLang="en-US" dirty="0" smtClean="0"/>
-              <a:t> </a:t>
-            </a:r>
-            <a:endParaRPr kumimoji="1" lang="ja-JP" altLang="en-US" i="1" dirty="0"/>
+              <a:rPr kumimoji="1" lang="ja-JP" altLang="en-US" sz="2800" dirty="0" smtClean="0"/>
+              <a:t>・ </a:t>
+            </a:r>
+            <a:r>
+              <a:rPr kumimoji="1" lang="en-CA" altLang="ja-JP" sz="2800" dirty="0" smtClean="0"/>
+              <a:t>reduce mistakes and save time</a:t>
+            </a:r>
+            <a:endParaRPr kumimoji="1" lang="ja-JP" altLang="en-US" sz="2800" i="1" dirty="0"/>
           </a:p>
         </p:txBody>
       </p:sp>
@@ -9154,7 +9752,7 @@
     </p:custDataLst>
     <p:extLst>
       <p:ext uri="{BB962C8B-B14F-4D97-AF65-F5344CB8AC3E}">
-        <p14:creationId xmlns:p14="http://schemas.microsoft.com/office/powerpoint/2010/main" val="3460357415"/>
+        <p14:creationId xmlns:p14="http://schemas.microsoft.com/office/powerpoint/2010/main" val="603858222"/>
       </p:ext>
     </p:extLst>
   </p:cSld>
@@ -9320,17 +9918,53 @@
 
 <file path=ppt/tags/tag31.xml><?xml version="1.0" encoding="utf-8"?>
 <p:tagLst xmlns:a="http://schemas.openxmlformats.org/drawingml/2006/main" xmlns:r="http://schemas.openxmlformats.org/officeDocument/2006/relationships" xmlns:p="http://schemas.openxmlformats.org/presentationml/2006/main">
-  <p:tag name="DVSECTIONID" val="ezdaKHeWyBnZyZ2cDqRSoa"/>
+  <p:tag name="DVSECTIONID" val="gLLkbNYfJYmMS8cGCr6Zqx"/>
 </p:tagLst>
 </file>
 
 <file path=ppt/tags/tag32.xml><?xml version="1.0" encoding="utf-8"?>
 <p:tagLst xmlns:a="http://schemas.openxmlformats.org/drawingml/2006/main" xmlns:r="http://schemas.openxmlformats.org/officeDocument/2006/relationships" xmlns:p="http://schemas.openxmlformats.org/presentationml/2006/main">
+  <p:tag name="DVSHAPEID" val="zvrdC8eV6YWWfpMhsRT8jq"/>
+</p:tagLst>
+</file>
+
+<file path=ppt/tags/tag33.xml><?xml version="1.0" encoding="utf-8"?>
+<p:tagLst xmlns:a="http://schemas.openxmlformats.org/drawingml/2006/main" xmlns:r="http://schemas.openxmlformats.org/officeDocument/2006/relationships" xmlns:p="http://schemas.openxmlformats.org/presentationml/2006/main">
+  <p:tag name="DVSHAPEID" val="zvrdC8eV6YWWfpMhsRT8jq"/>
+</p:tagLst>
+</file>
+
+<file path=ppt/tags/tag34.xml><?xml version="1.0" encoding="utf-8"?>
+<p:tagLst xmlns:a="http://schemas.openxmlformats.org/drawingml/2006/main" xmlns:r="http://schemas.openxmlformats.org/officeDocument/2006/relationships" xmlns:p="http://schemas.openxmlformats.org/presentationml/2006/main">
+  <p:tag name="DVSECTIONID" val="gLLkbNYfJYmMS8cGCr6Zqx"/>
+</p:tagLst>
+</file>
+
+<file path=ppt/tags/tag35.xml><?xml version="1.0" encoding="utf-8"?>
+<p:tagLst xmlns:a="http://schemas.openxmlformats.org/drawingml/2006/main" xmlns:r="http://schemas.openxmlformats.org/officeDocument/2006/relationships" xmlns:p="http://schemas.openxmlformats.org/presentationml/2006/main">
+  <p:tag name="DVSHAPEID" val="zvrdC8eV6YWWfpMhsRT8jq"/>
+</p:tagLst>
+</file>
+
+<file path=ppt/tags/tag36.xml><?xml version="1.0" encoding="utf-8"?>
+<p:tagLst xmlns:a="http://schemas.openxmlformats.org/drawingml/2006/main" xmlns:r="http://schemas.openxmlformats.org/officeDocument/2006/relationships" xmlns:p="http://schemas.openxmlformats.org/presentationml/2006/main">
+  <p:tag name="DVSHAPEID" val="zvrdC8eV6YWWfpMhsRT8jq"/>
+</p:tagLst>
+</file>
+
+<file path=ppt/tags/tag37.xml><?xml version="1.0" encoding="utf-8"?>
+<p:tagLst xmlns:a="http://schemas.openxmlformats.org/drawingml/2006/main" xmlns:r="http://schemas.openxmlformats.org/officeDocument/2006/relationships" xmlns:p="http://schemas.openxmlformats.org/presentationml/2006/main">
+  <p:tag name="DVSECTIONID" val="ezdaKHeWyBnZyZ2cDqRSoa"/>
+</p:tagLst>
+</file>
+
+<file path=ppt/tags/tag38.xml><?xml version="1.0" encoding="utf-8"?>
+<p:tagLst xmlns:a="http://schemas.openxmlformats.org/drawingml/2006/main" xmlns:r="http://schemas.openxmlformats.org/officeDocument/2006/relationships" xmlns:p="http://schemas.openxmlformats.org/presentationml/2006/main">
   <p:tag name="DVSHAPEID" val="LRMR96J2MVd0CGe2e5htjk"/>
 </p:tagLst>
 </file>
 
-<file path=ppt/tags/tag33.xml><?xml version="1.0" encoding="utf-8"?>
+<file path=ppt/tags/tag39.xml><?xml version="1.0" encoding="utf-8"?>
 <p:tagLst xmlns:a="http://schemas.openxmlformats.org/drawingml/2006/main" xmlns:r="http://schemas.openxmlformats.org/officeDocument/2006/relationships" xmlns:p="http://schemas.openxmlformats.org/presentationml/2006/main">
   <p:tag name="DVSHAPEID" val="LRMR96J2MVd0CGe2e5htjk"/>
 </p:tagLst>
